--- a/CV - Nguyen Anh Tu - Mobile developer.pptx
+++ b/CV - Nguyen Anh Tu - Mobile developer.pptx
@@ -212,7 +212,7 @@
           <a:p>
             <a:fld id="{50F2DA4D-DA4E-497F-B2BB-80067B2C6FC6}" type="datetimeFigureOut">
               <a:rPr lang="en-US" smtClean="0"/>
-              <a:t>3/22/2021</a:t>
+              <a:t>3/27/2021</a:t>
             </a:fld>
             <a:endParaRPr lang="en-US"/>
           </a:p>
@@ -610,7 +610,7 @@
           <a:p>
             <a:fld id="{A0C413B4-9056-430F-B193-81F789FD9110}" type="datetimeFigureOut">
               <a:rPr lang="en-US" smtClean="0"/>
-              <a:t>3/22/2021</a:t>
+              <a:t>3/27/2021</a:t>
             </a:fld>
             <a:endParaRPr lang="en-US"/>
           </a:p>
@@ -816,7 +816,7 @@
           <a:p>
             <a:fld id="{A0C413B4-9056-430F-B193-81F789FD9110}" type="datetimeFigureOut">
               <a:rPr lang="en-US" smtClean="0"/>
-              <a:t>3/22/2021</a:t>
+              <a:t>3/27/2021</a:t>
             </a:fld>
             <a:endParaRPr lang="en-US"/>
           </a:p>
@@ -996,7 +996,7 @@
           <a:p>
             <a:fld id="{A0C413B4-9056-430F-B193-81F789FD9110}" type="datetimeFigureOut">
               <a:rPr lang="en-US" smtClean="0"/>
-              <a:t>3/22/2021</a:t>
+              <a:t>3/27/2021</a:t>
             </a:fld>
             <a:endParaRPr lang="en-US"/>
           </a:p>
@@ -1166,7 +1166,7 @@
           <a:p>
             <a:fld id="{A0C413B4-9056-430F-B193-81F789FD9110}" type="datetimeFigureOut">
               <a:rPr lang="en-US" smtClean="0"/>
-              <a:t>3/22/2021</a:t>
+              <a:t>3/27/2021</a:t>
             </a:fld>
             <a:endParaRPr lang="en-US"/>
           </a:p>
@@ -1410,7 +1410,7 @@
           <a:p>
             <a:fld id="{A0C413B4-9056-430F-B193-81F789FD9110}" type="datetimeFigureOut">
               <a:rPr lang="en-US" smtClean="0"/>
-              <a:t>3/22/2021</a:t>
+              <a:t>3/27/2021</a:t>
             </a:fld>
             <a:endParaRPr lang="en-US"/>
           </a:p>
@@ -1642,7 +1642,7 @@
           <a:p>
             <a:fld id="{A0C413B4-9056-430F-B193-81F789FD9110}" type="datetimeFigureOut">
               <a:rPr lang="en-US" smtClean="0"/>
-              <a:t>3/22/2021</a:t>
+              <a:t>3/27/2021</a:t>
             </a:fld>
             <a:endParaRPr lang="en-US"/>
           </a:p>
@@ -2009,7 +2009,7 @@
           <a:p>
             <a:fld id="{A0C413B4-9056-430F-B193-81F789FD9110}" type="datetimeFigureOut">
               <a:rPr lang="en-US" smtClean="0"/>
-              <a:t>3/22/2021</a:t>
+              <a:t>3/27/2021</a:t>
             </a:fld>
             <a:endParaRPr lang="en-US"/>
           </a:p>
@@ -2127,7 +2127,7 @@
           <a:p>
             <a:fld id="{A0C413B4-9056-430F-B193-81F789FD9110}" type="datetimeFigureOut">
               <a:rPr lang="en-US" smtClean="0"/>
-              <a:t>3/22/2021</a:t>
+              <a:t>3/27/2021</a:t>
             </a:fld>
             <a:endParaRPr lang="en-US"/>
           </a:p>
@@ -2222,7 +2222,7 @@
           <a:p>
             <a:fld id="{A0C413B4-9056-430F-B193-81F789FD9110}" type="datetimeFigureOut">
               <a:rPr lang="en-US" smtClean="0"/>
-              <a:t>3/22/2021</a:t>
+              <a:t>3/27/2021</a:t>
             </a:fld>
             <a:endParaRPr lang="en-US"/>
           </a:p>
@@ -2499,7 +2499,7 @@
           <a:p>
             <a:fld id="{A0C413B4-9056-430F-B193-81F789FD9110}" type="datetimeFigureOut">
               <a:rPr lang="en-US" smtClean="0"/>
-              <a:t>3/22/2021</a:t>
+              <a:t>3/27/2021</a:t>
             </a:fld>
             <a:endParaRPr lang="en-US"/>
           </a:p>
@@ -2756,7 +2756,7 @@
           <a:p>
             <a:fld id="{A0C413B4-9056-430F-B193-81F789FD9110}" type="datetimeFigureOut">
               <a:rPr lang="en-US" smtClean="0"/>
-              <a:t>3/22/2021</a:t>
+              <a:t>3/27/2021</a:t>
             </a:fld>
             <a:endParaRPr lang="en-US"/>
           </a:p>
@@ -2969,7 +2969,7 @@
           <a:p>
             <a:fld id="{A0C413B4-9056-430F-B193-81F789FD9110}" type="datetimeFigureOut">
               <a:rPr lang="en-US" smtClean="0"/>
-              <a:t>3/22/2021</a:t>
+              <a:t>3/27/2021</a:t>
             </a:fld>
             <a:endParaRPr lang="en-US"/>
           </a:p>
@@ -3646,14 +3646,7 @@
                 <a:latin typeface="Arial" panose="020B0604020202020204" pitchFamily="34" charset="0"/>
                 <a:cs typeface="Arial" panose="020B0604020202020204" pitchFamily="34" charset="0"/>
               </a:rPr>
-              <a:t>MOBILE </a:t>
-            </a:r>
-            <a:r>
-              <a:rPr lang="en-US" sz="1400" spc="600" dirty="0" smtClean="0">
-                <a:latin typeface="Arial" panose="020B0604020202020204" pitchFamily="34" charset="0"/>
-                <a:cs typeface="Arial" panose="020B0604020202020204" pitchFamily="34" charset="0"/>
-              </a:rPr>
-              <a:t>DEVELOPER</a:t>
+              <a:t>MOBILE DEVELOPER</a:t>
             </a:r>
             <a:endParaRPr kumimoji="0" lang="en-US" sz="1400" b="0" i="0" u="none" strike="noStrike" kern="1200" cap="none" spc="600" normalizeH="0" baseline="0" noProof="0" dirty="0">
               <a:ln>
@@ -3676,7 +3669,7 @@
         </p:nvGrpSpPr>
         <p:grpSpPr>
           <a:xfrm>
-            <a:off x="432429" y="2137747"/>
+            <a:off x="393627" y="2137115"/>
             <a:ext cx="1596570" cy="323165"/>
             <a:chOff x="1524001" y="3166646"/>
             <a:chExt cx="1596570" cy="323165"/>
@@ -4080,7 +4073,7 @@
         </p:nvSpPr>
         <p:spPr>
           <a:xfrm>
-            <a:off x="333984" y="2499428"/>
+            <a:off x="356229" y="2499428"/>
             <a:ext cx="3529971" cy="646331"/>
           </a:xfrm>
           <a:prstGeom prst="rect">
@@ -4140,7 +4133,7 @@
         </p:nvGrpSpPr>
         <p:grpSpPr>
           <a:xfrm>
-            <a:off x="432429" y="3174801"/>
+            <a:off x="393700" y="3168264"/>
             <a:ext cx="1629813" cy="323165"/>
             <a:chOff x="432429" y="3753318"/>
             <a:chExt cx="1629813" cy="323165"/>
@@ -4567,7 +4560,7 @@
         <p:spPr>
           <a:xfrm>
             <a:off x="4191000" y="2438400"/>
-            <a:ext cx="2048959" cy="276999"/>
+            <a:ext cx="1954381" cy="276999"/>
           </a:xfrm>
           <a:prstGeom prst="rect">
             <a:avLst/>
@@ -4591,7 +4584,7 @@
                 <a:latin typeface="Arial" panose="020B0604020202020204" pitchFamily="34" charset="0"/>
                 <a:cs typeface="Arial" panose="020B0604020202020204" pitchFamily="34" charset="0"/>
               </a:rPr>
-              <a:t>- Computer </a:t>
+              <a:t>Computer </a:t>
             </a:r>
             <a:r>
               <a:rPr lang="en-US" sz="1200" b="1" dirty="0">
@@ -5088,7 +5081,7 @@
         </p:nvSpPr>
         <p:spPr>
           <a:xfrm>
-            <a:off x="333984" y="4394001"/>
+            <a:off x="356229" y="4394001"/>
             <a:ext cx="2656496" cy="276999"/>
           </a:xfrm>
           <a:prstGeom prst="rect">
@@ -5181,7 +5174,7 @@
         </p:nvSpPr>
         <p:spPr>
           <a:xfrm>
-            <a:off x="333984" y="4665457"/>
+            <a:off x="356229" y="4665457"/>
             <a:ext cx="2907271" cy="276999"/>
           </a:xfrm>
           <a:prstGeom prst="rect">
@@ -5203,28 +5196,7 @@
                 <a:latin typeface="Arial" panose="020B0604020202020204" pitchFamily="34" charset="0"/>
                 <a:cs typeface="Arial" panose="020B0604020202020204" pitchFamily="34" charset="0"/>
               </a:rPr>
-              <a:t>Mobile </a:t>
-            </a:r>
-            <a:r>
-              <a:rPr lang="en-US" sz="1200" dirty="0" smtClean="0">
-                <a:latin typeface="Arial" panose="020B0604020202020204" pitchFamily="34" charset="0"/>
-                <a:cs typeface="Arial" panose="020B0604020202020204" pitchFamily="34" charset="0"/>
-              </a:rPr>
-              <a:t>Developer (Flutter, IOS</a:t>
-            </a:r>
-            <a:r>
-              <a:rPr lang="en-US" sz="1200" dirty="0" smtClean="0">
-                <a:latin typeface="Arial" panose="020B0604020202020204" pitchFamily="34" charset="0"/>
-                <a:cs typeface="Arial" panose="020B0604020202020204" pitchFamily="34" charset="0"/>
-              </a:rPr>
-              <a:t>, Android</a:t>
-            </a:r>
-            <a:r>
-              <a:rPr lang="en-US" sz="1200" dirty="0" smtClean="0">
-                <a:latin typeface="Arial" panose="020B0604020202020204" pitchFamily="34" charset="0"/>
-                <a:cs typeface="Arial" panose="020B0604020202020204" pitchFamily="34" charset="0"/>
-              </a:rPr>
-              <a:t>)</a:t>
+              <a:t>Mobile Developer (Flutter, IOS, Android)</a:t>
             </a:r>
             <a:endParaRPr kumimoji="0" lang="en-US" sz="1200" b="1" i="0" u="none" strike="noStrike" kern="1200" cap="none" spc="0" normalizeH="0" baseline="0" noProof="0" dirty="0">
               <a:ln>
@@ -5250,7 +5222,7 @@
         </p:nvSpPr>
         <p:spPr>
           <a:xfrm>
-            <a:off x="333984" y="4986236"/>
+            <a:off x="356229" y="4986236"/>
             <a:ext cx="3529971" cy="830997"/>
           </a:xfrm>
           <a:prstGeom prst="rect">
@@ -5492,7 +5464,7 @@
         </p:nvGrpSpPr>
         <p:grpSpPr>
           <a:xfrm>
-            <a:off x="393627" y="6534835"/>
+            <a:off x="393627" y="6536783"/>
             <a:ext cx="1392539" cy="323165"/>
             <a:chOff x="1524001" y="3166646"/>
             <a:chExt cx="1392539" cy="323165"/>
@@ -6043,7 +6015,7 @@
         </p:nvSpPr>
         <p:spPr>
           <a:xfrm>
-            <a:off x="4159250" y="4191000"/>
+            <a:off x="4159250" y="4495800"/>
             <a:ext cx="1210588" cy="369332"/>
           </a:xfrm>
           <a:prstGeom prst="rect">
@@ -6074,12 +6046,16 @@
               <a:defRPr/>
             </a:pPr>
             <a:r>
-              <a:rPr lang="en-US" dirty="0">
+              <a:rPr lang="en-US" dirty="0" smtClean="0">
                 <a:latin typeface="Arial" panose="020B0604020202020204" pitchFamily="34" charset="0"/>
                 <a:cs typeface="Arial" panose="020B0604020202020204" pitchFamily="34" charset="0"/>
               </a:rPr>
               <a:t>HOBBIES</a:t>
             </a:r>
+            <a:endParaRPr lang="en-US" dirty="0">
+              <a:latin typeface="Arial" panose="020B0604020202020204" pitchFamily="34" charset="0"/>
+              <a:cs typeface="Arial" panose="020B0604020202020204" pitchFamily="34" charset="0"/>
+            </a:endParaRPr>
           </a:p>
         </p:txBody>
       </p:sp>
@@ -6091,7 +6067,7 @@
         </p:nvSpPr>
         <p:spPr>
           <a:xfrm>
-            <a:off x="4102100" y="4235519"/>
+            <a:off x="4102100" y="4540319"/>
             <a:ext cx="114300" cy="234128"/>
           </a:xfrm>
           <a:prstGeom prst="rect">
@@ -6162,7 +6138,7 @@
         </p:nvSpPr>
         <p:spPr>
           <a:xfrm>
-            <a:off x="4159250" y="5181600"/>
+            <a:off x="4159250" y="5302277"/>
             <a:ext cx="1138453" cy="323165"/>
           </a:xfrm>
           <a:prstGeom prst="rect">
@@ -6219,7 +6195,7 @@
         </p:nvSpPr>
         <p:spPr>
           <a:xfrm>
-            <a:off x="4102100" y="5226119"/>
+            <a:off x="4102100" y="5346796"/>
             <a:ext cx="114300" cy="234128"/>
           </a:xfrm>
           <a:prstGeom prst="rect">
@@ -6426,8 +6402,8 @@
         </p:nvSpPr>
         <p:spPr>
           <a:xfrm>
-            <a:off x="4379226" y="2695437"/>
-            <a:ext cx="2086877" cy="646331"/>
+            <a:off x="4343400" y="2695437"/>
+            <a:ext cx="2086877" cy="830997"/>
           </a:xfrm>
           <a:prstGeom prst="rect">
             <a:avLst/>
@@ -6472,7 +6448,7 @@
                 <a:latin typeface="Arial" panose="020B0604020202020204" pitchFamily="34" charset="0"/>
                 <a:cs typeface="Arial" panose="020B0604020202020204" pitchFamily="34" charset="0"/>
               </a:rPr>
-              <a:t>Dart,Java,</a:t>
+              <a:t>Dart, Java,</a:t>
             </a:r>
             <a:r>
               <a:rPr lang="en-US" sz="1200" dirty="0">
@@ -6524,19 +6500,29 @@
               </a:rPr>
               <a:t>Nodejs, JavaScript</a:t>
             </a:r>
-            <a:endParaRPr kumimoji="0" lang="en-US" sz="1200" b="0" i="0" u="none" strike="noStrike" kern="1200" cap="none" spc="0" normalizeH="0" dirty="0" smtClean="0">
-              <a:ln>
-                <a:noFill/>
-              </a:ln>
-              <a:solidFill>
-                <a:prstClr val="black"/>
-              </a:solidFill>
-              <a:effectLst/>
-              <a:uLnTx/>
-              <a:uFillTx/>
-              <a:latin typeface="Arial" panose="020B0604020202020204" pitchFamily="34" charset="0"/>
-              <a:cs typeface="Arial" panose="020B0604020202020204" pitchFamily="34" charset="0"/>
-            </a:endParaRPr>
+          </a:p>
+          <a:p>
+            <a:pPr marL="171450" lvl="0" indent="-171450" algn="just">
+              <a:buFont typeface="Arial" panose="020B0604020202020204" pitchFamily="34" charset="0"/>
+              <a:buChar char="•"/>
+              <a:defRPr/>
+            </a:pPr>
+            <a:r>
+              <a:rPr kumimoji="0" lang="en-US" sz="1200" b="0" i="0" u="none" strike="noStrike" kern="1200" cap="none" spc="0" normalizeH="0" dirty="0" smtClean="0">
+                <a:ln>
+                  <a:noFill/>
+                </a:ln>
+                <a:solidFill>
+                  <a:prstClr val="black"/>
+                </a:solidFill>
+                <a:effectLst/>
+                <a:uLnTx/>
+                <a:uFillTx/>
+                <a:latin typeface="Arial" panose="020B0604020202020204" pitchFamily="34" charset="0"/>
+                <a:cs typeface="Arial" panose="020B0604020202020204" pitchFamily="34" charset="0"/>
+              </a:rPr>
+              <a:t>MongoDB, SQL</a:t>
+            </a:r>
           </a:p>
         </p:txBody>
       </p:sp>
@@ -6548,8 +6534,8 @@
         </p:nvSpPr>
         <p:spPr>
           <a:xfrm>
-            <a:off x="4216991" y="3273755"/>
-            <a:ext cx="1007007" cy="276999"/>
+            <a:off x="4216991" y="3505200"/>
+            <a:ext cx="912429" cy="276999"/>
           </a:xfrm>
           <a:prstGeom prst="rect">
             <a:avLst/>
@@ -6566,16 +6552,6 @@
               <a:defRPr/>
             </a:pPr>
             <a:r>
-              <a:rPr lang="en-US" sz="1200" b="1" dirty="0">
-                <a:solidFill>
-                  <a:prstClr val="black"/>
-                </a:solidFill>
-                <a:latin typeface="Arial" panose="020B0604020202020204" pitchFamily="34" charset="0"/>
-                <a:cs typeface="Arial" panose="020B0604020202020204" pitchFamily="34" charset="0"/>
-              </a:rPr>
-              <a:t>- Soft </a:t>
-            </a:r>
-            <a:r>
               <a:rPr lang="en-US" sz="1200" b="1" dirty="0" smtClean="0">
                 <a:solidFill>
                   <a:prstClr val="black"/>
@@ -6583,7 +6559,7 @@
                 <a:latin typeface="Arial" panose="020B0604020202020204" pitchFamily="34" charset="0"/>
                 <a:cs typeface="Arial" panose="020B0604020202020204" pitchFamily="34" charset="0"/>
               </a:rPr>
-              <a:t>skills</a:t>
+              <a:t>Soft skills</a:t>
             </a:r>
             <a:endParaRPr kumimoji="0" lang="en-US" sz="1200" b="1" i="0" u="none" strike="noStrike" kern="1200" cap="none" spc="0" normalizeH="0" baseline="0" noProof="0" dirty="0">
               <a:ln>
@@ -6609,8 +6585,8 @@
         </p:nvSpPr>
         <p:spPr>
           <a:xfrm>
-            <a:off x="4428286" y="3564966"/>
-            <a:ext cx="2086877" cy="646331"/>
+            <a:off x="4343400" y="3713202"/>
+            <a:ext cx="2086877" cy="830997"/>
           </a:xfrm>
           <a:prstGeom prst="rect">
             <a:avLst/>
@@ -6628,11 +6604,18 @@
               <a:defRPr/>
             </a:pPr>
             <a:r>
-              <a:rPr lang="en-US" sz="1200" noProof="0" dirty="0" smtClean="0">
+              <a:rPr lang="en-US" sz="1200" dirty="0">
                 <a:latin typeface="Arial" panose="020B0604020202020204" pitchFamily="34" charset="0"/>
                 <a:cs typeface="Arial" panose="020B0604020202020204" pitchFamily="34" charset="0"/>
               </a:rPr>
-              <a:t>Flutter, Android, IOS</a:t>
+              <a:t>Team </a:t>
+            </a:r>
+            <a:r>
+              <a:rPr lang="en-US" sz="1200" dirty="0" smtClean="0">
+                <a:latin typeface="Arial" panose="020B0604020202020204" pitchFamily="34" charset="0"/>
+                <a:cs typeface="Arial" panose="020B0604020202020204" pitchFamily="34" charset="0"/>
+              </a:rPr>
+              <a:t>work</a:t>
             </a:r>
           </a:p>
           <a:p>
@@ -6642,54 +6625,19 @@
               <a:defRPr/>
             </a:pPr>
             <a:r>
-              <a:rPr kumimoji="0" lang="en-US" sz="1200" b="0" i="0" u="none" strike="noStrike" kern="1200" cap="none" spc="0" normalizeH="0" baseline="0" dirty="0" smtClean="0">
-                <a:ln>
-                  <a:noFill/>
-                </a:ln>
-                <a:solidFill>
-                  <a:prstClr val="black"/>
-                </a:solidFill>
-                <a:effectLst/>
-                <a:uLnTx/>
-                <a:uFillTx/>
+              <a:rPr lang="en-US" sz="1200" dirty="0" smtClean="0">
                 <a:latin typeface="Arial" panose="020B0604020202020204" pitchFamily="34" charset="0"/>
                 <a:cs typeface="Arial" panose="020B0604020202020204" pitchFamily="34" charset="0"/>
               </a:rPr>
-              <a:t>Dart,Java,</a:t>
+              <a:t>Work </a:t>
             </a:r>
             <a:r>
               <a:rPr lang="en-US" sz="1200" dirty="0">
-                <a:solidFill>
-                  <a:prstClr val="black"/>
-                </a:solidFill>
                 <a:latin typeface="Arial" panose="020B0604020202020204" pitchFamily="34" charset="0"/>
                 <a:cs typeface="Arial" panose="020B0604020202020204" pitchFamily="34" charset="0"/>
               </a:rPr>
-              <a:t> Kotlin, </a:t>
-            </a:r>
-            <a:r>
-              <a:rPr lang="en-US" sz="1200" dirty="0" smtClean="0">
-                <a:solidFill>
-                  <a:prstClr val="black"/>
-                </a:solidFill>
-                <a:latin typeface="Arial" panose="020B0604020202020204" pitchFamily="34" charset="0"/>
-                <a:cs typeface="Arial" panose="020B0604020202020204" pitchFamily="34" charset="0"/>
-              </a:rPr>
-              <a:t>Swift</a:t>
-            </a:r>
-            <a:endParaRPr kumimoji="0" lang="en-US" sz="1200" b="0" i="0" u="none" strike="noStrike" kern="1200" cap="none" spc="0" normalizeH="0" dirty="0" smtClean="0">
-              <a:ln>
-                <a:noFill/>
-              </a:ln>
-              <a:solidFill>
-                <a:prstClr val="black"/>
-              </a:solidFill>
-              <a:effectLst/>
-              <a:uLnTx/>
-              <a:uFillTx/>
-              <a:latin typeface="Arial" panose="020B0604020202020204" pitchFamily="34" charset="0"/>
-              <a:cs typeface="Arial" panose="020B0604020202020204" pitchFamily="34" charset="0"/>
-            </a:endParaRPr>
+              <a:t>independently</a:t>
+            </a:r>
           </a:p>
           <a:p>
             <a:pPr marL="171450" lvl="0" indent="-171450" algn="just">
@@ -6699,27 +6647,32 @@
             </a:pPr>
             <a:r>
               <a:rPr lang="en-US" sz="1200" dirty="0" smtClean="0">
-                <a:solidFill>
-                  <a:prstClr val="black"/>
-                </a:solidFill>
                 <a:latin typeface="Arial" panose="020B0604020202020204" pitchFamily="34" charset="0"/>
                 <a:cs typeface="Arial" panose="020B0604020202020204" pitchFamily="34" charset="0"/>
               </a:rPr>
-              <a:t>Nodejs, JavaScript</a:t>
-            </a:r>
-            <a:endParaRPr kumimoji="0" lang="en-US" sz="1200" b="0" i="0" u="none" strike="noStrike" kern="1200" cap="none" spc="0" normalizeH="0" dirty="0" smtClean="0">
-              <a:ln>
-                <a:noFill/>
-              </a:ln>
-              <a:solidFill>
-                <a:prstClr val="black"/>
-              </a:solidFill>
-              <a:effectLst/>
-              <a:uLnTx/>
-              <a:uFillTx/>
-              <a:latin typeface="Arial" panose="020B0604020202020204" pitchFamily="34" charset="0"/>
-              <a:cs typeface="Arial" panose="020B0604020202020204" pitchFamily="34" charset="0"/>
-            </a:endParaRPr>
+              <a:t>Creativity</a:t>
+            </a:r>
+          </a:p>
+          <a:p>
+            <a:pPr marL="171450" lvl="0" indent="-171450" algn="just">
+              <a:buFont typeface="Arial" panose="020B0604020202020204" pitchFamily="34" charset="0"/>
+              <a:buChar char="•"/>
+              <a:defRPr/>
+            </a:pPr>
+            <a:r>
+              <a:rPr lang="en-US" sz="1200" dirty="0" smtClean="0">
+                <a:latin typeface="Arial" panose="020B0604020202020204" pitchFamily="34" charset="0"/>
+                <a:cs typeface="Arial" panose="020B0604020202020204" pitchFamily="34" charset="0"/>
+              </a:rPr>
+              <a:t>Oral </a:t>
+            </a:r>
+            <a:r>
+              <a:rPr lang="en-US" sz="1200" dirty="0">
+                <a:latin typeface="Arial" panose="020B0604020202020204" pitchFamily="34" charset="0"/>
+                <a:cs typeface="Arial" panose="020B0604020202020204" pitchFamily="34" charset="0"/>
+              </a:rPr>
+              <a:t>communication skills</a:t>
+            </a:r>
           </a:p>
         </p:txBody>
       </p:sp>
@@ -6731,8 +6684,8 @@
         </p:nvSpPr>
         <p:spPr>
           <a:xfrm>
-            <a:off x="4254264" y="4535812"/>
-            <a:ext cx="2335340" cy="646331"/>
+            <a:off x="4383351" y="4840612"/>
+            <a:ext cx="1026849" cy="461665"/>
           </a:xfrm>
           <a:prstGeom prst="rect">
             <a:avLst/>
@@ -6744,7 +6697,9 @@
           </a:bodyPr>
           <a:lstStyle/>
           <a:p>
-            <a:pPr lvl="0" algn="just">
+            <a:pPr marL="171450" lvl="0" indent="-171450" algn="just">
+              <a:buFont typeface="Arial" panose="020B0604020202020204" pitchFamily="34" charset="0"/>
+              <a:buChar char="•"/>
               <a:defRPr/>
             </a:pPr>
             <a:r>
@@ -6752,26 +6707,21 @@
                 <a:latin typeface="Arial" panose="020B0604020202020204" pitchFamily="34" charset="0"/>
                 <a:cs typeface="Arial" panose="020B0604020202020204" pitchFamily="34" charset="0"/>
               </a:rPr>
-              <a:t>Team work, work independently</a:t>
-            </a:r>
-          </a:p>
-          <a:p>
-            <a:pPr lvl="0" algn="just">
+              <a:t>Survival</a:t>
+            </a:r>
+          </a:p>
+          <a:p>
+            <a:pPr marL="171450" lvl="0" indent="-171450" algn="just">
+              <a:buFont typeface="Arial" panose="020B0604020202020204" pitchFamily="34" charset="0"/>
+              <a:buChar char="•"/>
               <a:defRPr/>
             </a:pPr>
-            <a:r>
-              <a:rPr lang="en-US" sz="1200" dirty="0" smtClean="0">
-                <a:latin typeface="Arial" panose="020B0604020202020204" pitchFamily="34" charset="0"/>
-                <a:cs typeface="Arial" panose="020B0604020202020204" pitchFamily="34" charset="0"/>
-              </a:rPr>
-              <a:t>Creativity</a:t>
-            </a:r>
             <a:r>
               <a:rPr lang="en-US" sz="1200" dirty="0">
                 <a:latin typeface="Arial" panose="020B0604020202020204" pitchFamily="34" charset="0"/>
                 <a:cs typeface="Arial" panose="020B0604020202020204" pitchFamily="34" charset="0"/>
               </a:rPr>
-              <a:t>, Oral communication skills</a:t>
+              <a:t>Soccer</a:t>
             </a:r>
           </a:p>
         </p:txBody>
@@ -6784,8 +6734,8 @@
         </p:nvSpPr>
         <p:spPr>
           <a:xfrm>
-            <a:off x="4191000" y="5504765"/>
-            <a:ext cx="2590800" cy="1200329"/>
+            <a:off x="4191000" y="5625442"/>
+            <a:ext cx="2227035" cy="1200329"/>
           </a:xfrm>
           <a:prstGeom prst="rect">
             <a:avLst/>
@@ -6912,7 +6862,21 @@
                 <a:latin typeface="Arial" panose="020B0604020202020204" pitchFamily="34" charset="0"/>
                 <a:cs typeface="Arial" panose="020B0604020202020204" pitchFamily="34" charset="0"/>
               </a:rPr>
-              <a:t>Binh Thanh, Ho </a:t>
+              <a:t>TP.</a:t>
+            </a:r>
+            <a:r>
+              <a:rPr lang="en-US" sz="1200" dirty="0" smtClean="0">
+                <a:latin typeface="Arial" panose="020B0604020202020204" pitchFamily="34" charset="0"/>
+                <a:cs typeface="Arial" panose="020B0604020202020204" pitchFamily="34" charset="0"/>
+              </a:rPr>
+              <a:t> </a:t>
+            </a:r>
+            <a:r>
+              <a:rPr lang="en-US" sz="1200" dirty="0" smtClean="0">
+                <a:latin typeface="Arial" panose="020B0604020202020204" pitchFamily="34" charset="0"/>
+                <a:cs typeface="Arial" panose="020B0604020202020204" pitchFamily="34" charset="0"/>
+              </a:rPr>
+              <a:t>Ho </a:t>
             </a:r>
             <a:r>
               <a:rPr lang="en-US" sz="1200" dirty="0">
@@ -6940,14 +6904,14 @@
           <p:nvPr>
             <p:extLst>
               <p:ext uri="{D42A27DB-BD31-4B8C-83A1-F6EECF244321}">
-                <p14:modId xmlns:p14="http://schemas.microsoft.com/office/powerpoint/2010/main" val="2610794302"/>
+                <p14:modId xmlns:p14="http://schemas.microsoft.com/office/powerpoint/2010/main" val="1701857337"/>
               </p:ext>
             </p:extLst>
           </p:nvPr>
         </p:nvGraphicFramePr>
         <p:xfrm>
           <a:off x="393627" y="7063740"/>
-          <a:ext cx="5547115" cy="2232660"/>
+          <a:ext cx="6024408" cy="1980388"/>
         </p:xfrm>
         <a:graphic>
           <a:graphicData uri="http://schemas.openxmlformats.org/drawingml/2006/table">
@@ -6956,14 +6920,14 @@
                 <a:tableStyleId>{5940675A-B579-460E-94D1-54222C63F5DA}</a:tableStyleId>
               </a:tblPr>
               <a:tblGrid>
-                <a:gridCol w="1482027">
+                <a:gridCol w="1609546">
                   <a:extLst>
                     <a:ext uri="{9D8B030D-6E8A-4147-A177-3AD203B41FA5}">
                       <a16:colId xmlns:a16="http://schemas.microsoft.com/office/drawing/2014/main" val="1210138874"/>
                     </a:ext>
                   </a:extLst>
                 </a:gridCol>
-                <a:gridCol w="4065088">
+                <a:gridCol w="4414862">
                   <a:extLst>
                     <a:ext uri="{9D8B030D-6E8A-4147-A177-3AD203B41FA5}">
                       <a16:colId xmlns:a16="http://schemas.microsoft.com/office/drawing/2014/main" val="2832215432"/>
@@ -7416,14 +7380,7 @@
                           <a:latin typeface="Arial" panose="020B0604020202020204" pitchFamily="34" charset="0"/>
                           <a:cs typeface="Arial" panose="020B0604020202020204" pitchFamily="34" charset="0"/>
                         </a:rPr>
-                        <a:t>Rest API, Push Notification, </a:t>
-                      </a:r>
-                      <a:r>
-                        <a:rPr lang="en-US" sz="1200" dirty="0" smtClean="0">
-                          <a:latin typeface="Arial" panose="020B0604020202020204" pitchFamily="34" charset="0"/>
-                          <a:cs typeface="Arial" panose="020B0604020202020204" pitchFamily="34" charset="0"/>
-                        </a:rPr>
-                        <a:t>Google Map, Firebase, Location, </a:t>
+                        <a:t>Rest API, Push Notification, Google Map, Firebase, Location, </a:t>
                       </a:r>
                       <a:r>
                         <a:rPr lang="en-US" sz="1200" b="0" i="0" u="none" kern="1200" dirty="0" smtClean="0">
@@ -7833,14 +7790,7 @@
                           <a:latin typeface="Arial" panose="020B0604020202020204" pitchFamily="34" charset="0"/>
                           <a:cs typeface="Arial" panose="020B0604020202020204" pitchFamily="34" charset="0"/>
                         </a:rPr>
-                        <a:t>Rest API, Push Notification, </a:t>
-                      </a:r>
-                      <a:r>
-                        <a:rPr lang="en-US" sz="1200" dirty="0" smtClean="0">
-                          <a:latin typeface="Arial" panose="020B0604020202020204" pitchFamily="34" charset="0"/>
-                          <a:cs typeface="Arial" panose="020B0604020202020204" pitchFamily="34" charset="0"/>
-                        </a:rPr>
-                        <a:t>Firebase, Dynamic</a:t>
+                        <a:t>Rest API, Push Notification, Firebase, Dynamic</a:t>
                       </a:r>
                       <a:r>
                         <a:rPr lang="en-US" sz="1200" baseline="0" dirty="0" smtClean="0">
@@ -8139,14 +8089,7 @@
                           <a:latin typeface="Arial" panose="020B0604020202020204" pitchFamily="34" charset="0"/>
                           <a:cs typeface="Arial" panose="020B0604020202020204" pitchFamily="34" charset="0"/>
                         </a:rPr>
-                        <a:t>Rest API, Push Notification, </a:t>
-                      </a:r>
-                      <a:r>
-                        <a:rPr lang="en-US" sz="1200" dirty="0" smtClean="0">
-                          <a:latin typeface="Arial" panose="020B0604020202020204" pitchFamily="34" charset="0"/>
-                          <a:cs typeface="Arial" panose="020B0604020202020204" pitchFamily="34" charset="0"/>
-                        </a:rPr>
-                        <a:t>MQTT</a:t>
+                        <a:t>Rest API, Push Notification, MQTT</a:t>
                       </a:r>
                       <a:endParaRPr lang="en-US" sz="1200" b="0" i="0" u="none" kern="1200" dirty="0" smtClean="0">
                         <a:solidFill>
